--- a/MS_Design_Project_PPT - MY Project Summary for Recruiters.pptx
+++ b/MS_Design_Project_PPT - MY Project Summary for Recruiters.pptx
@@ -137,10 +137,7 @@
 <file path=ppt/revisionInfo.xml><?xml version="1.0" encoding="utf-8"?>
 <p1510:revInfo xmlns:a="http://schemas.openxmlformats.org/drawingml/2006/main" xmlns:r="http://schemas.openxmlformats.org/officeDocument/2006/relationships" xmlns:p1510="http://schemas.microsoft.com/office/powerpoint/2015/10/main">
   <p1510:revLst>
-    <p1510:client id="{934E4BCF-A060-4C76-ABBA-9B0C1677F13C}" v="56" dt="2023-11-17T18:09:31.400"/>
-    <p1510:client id="{9794BE51-E132-4544-AB81-E036891242EA}" v="133" dt="2023-11-17T19:17:34.549"/>
-    <p1510:client id="{98233E69-1196-4AE7-A93E-7B77F41EF493}" v="11" dt="2023-11-17T17:27:28.583"/>
-    <p1510:client id="{C7F64FA2-99AB-4984-B806-6A8C357B0CE2}" v="691" dt="2023-11-18T10:51:31.123"/>
+    <p1510:client id="{F22B68DB-DA57-41B5-9619-A741CE09B967}" v="1" dt="2023-11-20T18:58:21.918"/>
   </p1510:revLst>
 </p1510:revInfo>
 </file>
@@ -4473,6 +4470,60 @@
             <pc:docMk/>
             <pc:sldMk cId="943884384" sldId="292"/>
             <ac:spMk id="3" creationId="{B1D8898A-375E-4ED4-B2E9-D287519ECC02}"/>
+          </ac:spMkLst>
+        </pc:spChg>
+      </pc:sldChg>
+    </pc:docChg>
+  </pc:docChgLst>
+  <pc:docChgLst>
+    <pc:chgData name="Abhijith N" userId="e4a073d171c93a9e" providerId="LiveId" clId="{F22B68DB-DA57-41B5-9619-A741CE09B967}"/>
+    <pc:docChg chg="custSel modSld">
+      <pc:chgData name="Abhijith N" userId="e4a073d171c93a9e" providerId="LiveId" clId="{F22B68DB-DA57-41B5-9619-A741CE09B967}" dt="2023-11-20T18:59:44.442" v="156" actId="14100"/>
+      <pc:docMkLst>
+        <pc:docMk/>
+      </pc:docMkLst>
+      <pc:sldChg chg="modSp mod">
+        <pc:chgData name="Abhijith N" userId="e4a073d171c93a9e" providerId="LiveId" clId="{F22B68DB-DA57-41B5-9619-A741CE09B967}" dt="2023-11-20T16:00:11.719" v="22" actId="20577"/>
+        <pc:sldMkLst>
+          <pc:docMk/>
+          <pc:sldMk cId="0" sldId="257"/>
+        </pc:sldMkLst>
+        <pc:spChg chg="mod">
+          <ac:chgData name="Abhijith N" userId="e4a073d171c93a9e" providerId="LiveId" clId="{F22B68DB-DA57-41B5-9619-A741CE09B967}" dt="2023-11-20T16:00:11.719" v="22" actId="20577"/>
+          <ac:spMkLst>
+            <pc:docMk/>
+            <pc:sldMk cId="0" sldId="257"/>
+            <ac:spMk id="23" creationId="{00000000-0000-0000-0000-000000000000}"/>
+          </ac:spMkLst>
+        </pc:spChg>
+      </pc:sldChg>
+      <pc:sldChg chg="modSp mod">
+        <pc:chgData name="Abhijith N" userId="e4a073d171c93a9e" providerId="LiveId" clId="{F22B68DB-DA57-41B5-9619-A741CE09B967}" dt="2023-11-20T18:59:44.442" v="156" actId="14100"/>
+        <pc:sldMkLst>
+          <pc:docMk/>
+          <pc:sldMk cId="1376471911" sldId="303"/>
+        </pc:sldMkLst>
+        <pc:spChg chg="mod">
+          <ac:chgData name="Abhijith N" userId="e4a073d171c93a9e" providerId="LiveId" clId="{F22B68DB-DA57-41B5-9619-A741CE09B967}" dt="2023-11-20T18:59:44.442" v="156" actId="14100"/>
+          <ac:spMkLst>
+            <pc:docMk/>
+            <pc:sldMk cId="1376471911" sldId="303"/>
+            <ac:spMk id="3" creationId="{00000000-0000-0000-0000-000000000000}"/>
+          </ac:spMkLst>
+        </pc:spChg>
+      </pc:sldChg>
+      <pc:sldChg chg="modSp mod">
+        <pc:chgData name="Abhijith N" userId="e4a073d171c93a9e" providerId="LiveId" clId="{F22B68DB-DA57-41B5-9619-A741CE09B967}" dt="2023-11-20T16:08:21.406" v="151" actId="6549"/>
+        <pc:sldMkLst>
+          <pc:docMk/>
+          <pc:sldMk cId="3545525129" sldId="304"/>
+        </pc:sldMkLst>
+        <pc:spChg chg="mod">
+          <ac:chgData name="Abhijith N" userId="e4a073d171c93a9e" providerId="LiveId" clId="{F22B68DB-DA57-41B5-9619-A741CE09B967}" dt="2023-11-20T16:08:21.406" v="151" actId="6549"/>
+          <ac:spMkLst>
+            <pc:docMk/>
+            <pc:sldMk cId="3545525129" sldId="304"/>
+            <ac:spMk id="3" creationId="{00000000-0000-0000-0000-000000000000}"/>
           </ac:spMkLst>
         </pc:spChg>
       </pc:sldChg>
@@ -10355,7 +10406,7 @@
           <a:p>
             <a:fld id="{F3F82AD7-9CE4-49EA-9942-DCAF26E55BA5}" type="datetimeFigureOut">
               <a:rPr lang="en-US" smtClean="0"/>
-              <a:t>11/18/2023</a:t>
+              <a:t>11/20/2023</a:t>
             </a:fld>
             <a:endParaRPr lang="en-US"/>
           </a:p>
@@ -10867,7 +10918,7 @@
           <a:p>
             <a:fld id="{C98C4438-40C6-4C48-B03E-C8B748D54B7B}" type="datetime1">
               <a:rPr lang="en-US" smtClean="0"/>
-              <a:t>11/18/2023</a:t>
+              <a:t>11/20/2023</a:t>
             </a:fld>
             <a:endParaRPr lang="en-US"/>
           </a:p>
@@ -11050,7 +11101,7 @@
           <a:p>
             <a:fld id="{1C012954-E1BF-4190-9281-A3BB5961FEF8}" type="datetime1">
               <a:rPr lang="en-US" smtClean="0"/>
-              <a:t>11/18/2023</a:t>
+              <a:t>11/20/2023</a:t>
             </a:fld>
             <a:endParaRPr lang="en-US"/>
           </a:p>
@@ -11228,7 +11279,7 @@
           <a:p>
             <a:fld id="{9BB62203-7EF8-4F5B-A45F-213A3CF5DD5C}" type="datetime1">
               <a:rPr lang="en-US" smtClean="0"/>
-              <a:t>11/18/2023</a:t>
+              <a:t>11/20/2023</a:t>
             </a:fld>
             <a:endParaRPr lang="en-US"/>
           </a:p>
@@ -11396,7 +11447,7 @@
           <a:p>
             <a:fld id="{F43EC21B-9F6A-4205-ADB3-8D86EEEBBF11}" type="datetime1">
               <a:rPr lang="en-US" smtClean="0"/>
-              <a:t>11/18/2023</a:t>
+              <a:t>11/20/2023</a:t>
             </a:fld>
             <a:endParaRPr lang="en-US"/>
           </a:p>
@@ -11641,7 +11692,7 @@
           <a:p>
             <a:fld id="{28179435-DF22-4E11-8F3F-39186170778B}" type="datetime1">
               <a:rPr lang="en-US" smtClean="0"/>
-              <a:t>11/18/2023</a:t>
+              <a:t>11/20/2023</a:t>
             </a:fld>
             <a:endParaRPr lang="en-US"/>
           </a:p>
@@ -11870,7 +11921,7 @@
           <a:p>
             <a:fld id="{813F0440-1845-4A2D-9799-7BFCECC6E1FA}" type="datetime1">
               <a:rPr lang="en-US" smtClean="0"/>
-              <a:t>11/18/2023</a:t>
+              <a:t>11/20/2023</a:t>
             </a:fld>
             <a:endParaRPr lang="en-US"/>
           </a:p>
@@ -12234,7 +12285,7 @@
           <a:p>
             <a:fld id="{E22C3BDC-EB6F-4289-8892-793381D0AC84}" type="datetime1">
               <a:rPr lang="en-US" smtClean="0"/>
-              <a:t>11/18/2023</a:t>
+              <a:t>11/20/2023</a:t>
             </a:fld>
             <a:endParaRPr lang="en-US"/>
           </a:p>
@@ -12351,7 +12402,7 @@
           <a:p>
             <a:fld id="{3B6510CB-20C3-4717-ABA0-2F64DBECDCF8}" type="datetime1">
               <a:rPr lang="en-US" smtClean="0"/>
-              <a:t>11/18/2023</a:t>
+              <a:t>11/20/2023</a:t>
             </a:fld>
             <a:endParaRPr lang="en-US"/>
           </a:p>
@@ -12446,7 +12497,7 @@
           <a:p>
             <a:fld id="{5E0FE05D-E3EF-4AD4-BE1E-1FE170DBB3C6}" type="datetime1">
               <a:rPr lang="en-US" smtClean="0"/>
-              <a:t>11/18/2023</a:t>
+              <a:t>11/20/2023</a:t>
             </a:fld>
             <a:endParaRPr lang="en-US"/>
           </a:p>
@@ -12721,7 +12772,7 @@
           <a:p>
             <a:fld id="{4687A1D1-D0F4-4E40-AB31-F37AC1AAF9E3}" type="datetime1">
               <a:rPr lang="en-US" smtClean="0"/>
-              <a:t>11/18/2023</a:t>
+              <a:t>11/20/2023</a:t>
             </a:fld>
             <a:endParaRPr lang="en-US"/>
           </a:p>
@@ -12976,7 +13027,7 @@
           <a:p>
             <a:fld id="{B088AAB6-D9B8-4B58-9E83-B6F4CF8D8B9D}" type="datetime1">
               <a:rPr lang="en-US" smtClean="0"/>
-              <a:t>11/18/2023</a:t>
+              <a:t>11/20/2023</a:t>
             </a:fld>
             <a:endParaRPr lang="en-US"/>
           </a:p>
@@ -13187,7 +13238,7 @@
           <a:p>
             <a:fld id="{3C65D9C6-217F-4BEA-96D2-2315321229FE}" type="datetime1">
               <a:rPr lang="en-US" smtClean="0"/>
-              <a:t>11/18/2023</a:t>
+              <a:t>11/20/2023</a:t>
             </a:fld>
             <a:endParaRPr lang="en-US"/>
           </a:p>
@@ -13673,14 +13724,14 @@
               <a:t>November 2023</a:t>
             </a:r>
             <a:br>
-              <a:rPr lang="en-US" sz="2400" b="1"/>
+              <a:rPr lang="en-US" sz="2400" b="1" dirty="0"/>
             </a:br>
             <a:br>
               <a:rPr lang="en-US" sz="2100" b="1" dirty="0"/>
             </a:br>
             <a:r>
               <a:rPr lang="en-US" sz="2400" b="1" u="sng" dirty="0"/>
-              <a:t>MS Design Project Defense</a:t>
+              <a:t>MS Design/Thesis Project Defense</a:t>
             </a:r>
             <a:br>
               <a:rPr lang="en-US" sz="2100" b="1" dirty="0"/>
@@ -21535,8 +21586,8 @@
         </p:nvSpPr>
         <p:spPr>
           <a:xfrm>
-            <a:off x="1350682" y="4870824"/>
-            <a:ext cx="10005951" cy="1458258"/>
+            <a:off x="985582" y="4870824"/>
+            <a:ext cx="9686068" cy="1305483"/>
           </a:xfrm>
         </p:spPr>
         <p:txBody>
@@ -21552,7 +21603,7 @@
               <a:rPr lang="en-US" sz="2400" dirty="0">
                 <a:hlinkClick r:id="rId2"/>
               </a:rPr>
-              <a:t>https://article-classifier-arhgducak8d4mvhtxzwcxg.streamlit.app/</a:t>
+              <a:t>https://truthseeker-an-app-that-separates-facts-from-fiction.streamlit.app/</a:t>
             </a:r>
             <a:r>
               <a:rPr lang="en-US" sz="2400" dirty="0"/>
@@ -22743,9 +22794,63 @@
             <a:pPr marL="0" indent="0">
               <a:buNone/>
             </a:pPr>
-            <a:endParaRPr lang="en-US" sz="1400" dirty="0">
+            <a:r>
+              <a:rPr lang="en-US" sz="4400" dirty="0">
+                <a:latin typeface="+mj-lt"/>
+              </a:rPr>
+              <a:t>… </a:t>
+            </a:r>
+            <a:r>
+              <a:rPr lang="en-US" sz="4400" b="1" i="1" dirty="0">
+                <a:solidFill>
+                  <a:schemeClr val="accent5">
+                    <a:lumMod val="75000"/>
+                  </a:schemeClr>
+                </a:solidFill>
+                <a:latin typeface="+mj-lt"/>
+              </a:rPr>
+              <a:t>I am forever a student, with miles to journey and much to learn.</a:t>
+            </a:r>
+          </a:p>
+          <a:p>
+            <a:pPr marL="0" indent="0">
+              <a:buNone/>
+            </a:pPr>
+            <a:r>
+              <a:rPr lang="en-US" sz="4400" b="1" i="1" dirty="0">
+                <a:solidFill>
+                  <a:schemeClr val="accent5">
+                    <a:lumMod val="75000"/>
+                  </a:schemeClr>
+                </a:solidFill>
+                <a:latin typeface="+mj-lt"/>
+              </a:rPr>
+              <a:t>                                  </a:t>
+            </a:r>
+            <a:endParaRPr lang="en-US" b="1" i="1" dirty="0">
+              <a:solidFill>
+                <a:schemeClr val="accent5">
+                  <a:lumMod val="75000"/>
+                </a:schemeClr>
+              </a:solidFill>
               <a:latin typeface="+mj-lt"/>
             </a:endParaRPr>
+          </a:p>
+          <a:p>
+            <a:pPr marL="0" indent="0">
+              <a:buNone/>
+            </a:pPr>
+            <a:r>
+              <a:rPr lang="en-US" b="1" i="1" dirty="0">
+                <a:solidFill>
+                  <a:schemeClr val="accent5">
+                    <a:lumMod val="75000"/>
+                  </a:schemeClr>
+                </a:solidFill>
+                <a:latin typeface="+mj-lt"/>
+              </a:rPr>
+              <a:t>                                                     </a:t>
+            </a:r>
           </a:p>
         </p:txBody>
       </p:sp>
